--- a/ppt 16-9/1602.祢的爱不离不弃.pptx
+++ b/ppt 16-9/1602.祢的爱不离不弃.pptx
@@ -129,7 +129,7 @@
           <p:cNvPr id="2" name="标题 1">
             <a:extLst>
               <a:ext uri="{FF2B5EF4-FFF2-40B4-BE49-F238E27FC236}">
-                <a16:creationId xmlns:a16="http://schemas.microsoft.com/office/drawing/2014/main" id="{62921B5F-038A-3BB8-55FE-B2609F730E30}"/>
+                <a16:creationId xmlns:a16="http://schemas.microsoft.com/office/drawing/2014/main" id="{43F8A938-9759-75CA-C6C3-D4CF2D9EDBAD}"/>
               </a:ext>
             </a:extLst>
           </p:cNvPr>
@@ -166,7 +166,7 @@
           <p:cNvPr id="3" name="副标题 2">
             <a:extLst>
               <a:ext uri="{FF2B5EF4-FFF2-40B4-BE49-F238E27FC236}">
-                <a16:creationId xmlns:a16="http://schemas.microsoft.com/office/drawing/2014/main" id="{61BD1929-245A-2000-5329-CA1DA3CDA7C6}"/>
+                <a16:creationId xmlns:a16="http://schemas.microsoft.com/office/drawing/2014/main" id="{CADC77FC-8D9B-0A41-FA20-ED43A001B90A}"/>
               </a:ext>
             </a:extLst>
           </p:cNvPr>
@@ -236,7 +236,7 @@
           <p:cNvPr id="4" name="日期占位符 3">
             <a:extLst>
               <a:ext uri="{FF2B5EF4-FFF2-40B4-BE49-F238E27FC236}">
-                <a16:creationId xmlns:a16="http://schemas.microsoft.com/office/drawing/2014/main" id="{E44701C8-4D1F-651B-FA54-5936D7E2F51B}"/>
+                <a16:creationId xmlns:a16="http://schemas.microsoft.com/office/drawing/2014/main" id="{61AE3A46-EB2A-AA52-F12F-E4D8C1938461}"/>
               </a:ext>
             </a:extLst>
           </p:cNvPr>
@@ -252,7 +252,7 @@
           <a:bodyPr/>
           <a:lstStyle/>
           <a:p>
-            <a:fld id="{865C0C93-CDE5-46AE-9E3D-AF448A042D0A}" type="datetimeFigureOut">
+            <a:fld id="{B4B11746-F7B1-4622-9CB4-53D67DEBA7D6}" type="datetimeFigureOut">
               <a:rPr lang="zh-CN" altLang="en-US" smtClean="0"/>
               <a:t>2024/3/10</a:t>
             </a:fld>
@@ -265,7 +265,7 @@
           <p:cNvPr id="5" name="页脚占位符 4">
             <a:extLst>
               <a:ext uri="{FF2B5EF4-FFF2-40B4-BE49-F238E27FC236}">
-                <a16:creationId xmlns:a16="http://schemas.microsoft.com/office/drawing/2014/main" id="{173F7680-50A0-A775-4AAA-AC7DD78C606D}"/>
+                <a16:creationId xmlns:a16="http://schemas.microsoft.com/office/drawing/2014/main" id="{E99E580A-578B-3373-10C9-B28F315D0D24}"/>
               </a:ext>
             </a:extLst>
           </p:cNvPr>
@@ -290,7 +290,7 @@
           <p:cNvPr id="6" name="灯片编号占位符 5">
             <a:extLst>
               <a:ext uri="{FF2B5EF4-FFF2-40B4-BE49-F238E27FC236}">
-                <a16:creationId xmlns:a16="http://schemas.microsoft.com/office/drawing/2014/main" id="{7787BFF5-0EFD-4F62-ABC7-2CF5AE302F71}"/>
+                <a16:creationId xmlns:a16="http://schemas.microsoft.com/office/drawing/2014/main" id="{FA975422-B9CB-CECF-5078-5784CF625B33}"/>
               </a:ext>
             </a:extLst>
           </p:cNvPr>
@@ -306,7 +306,7 @@
           <a:bodyPr/>
           <a:lstStyle/>
           <a:p>
-            <a:fld id="{3CC8FA17-C0FB-41AD-86FD-80EB615B1B53}" type="slidenum">
+            <a:fld id="{0C6F0577-394F-4A67-B3C8-0805153C908D}" type="slidenum">
               <a:rPr lang="zh-CN" altLang="en-US" smtClean="0"/>
               <a:t>‹#›</a:t>
             </a:fld>
@@ -317,7 +317,7 @@
     </p:spTree>
     <p:extLst>
       <p:ext uri="{BB962C8B-B14F-4D97-AF65-F5344CB8AC3E}">
-        <p14:creationId xmlns:p14="http://schemas.microsoft.com/office/powerpoint/2010/main" val="572543330"/>
+        <p14:creationId xmlns:p14="http://schemas.microsoft.com/office/powerpoint/2010/main" val="1771860481"/>
       </p:ext>
     </p:extLst>
   </p:cSld>
@@ -349,7 +349,7 @@
           <p:cNvPr id="2" name="标题 1">
             <a:extLst>
               <a:ext uri="{FF2B5EF4-FFF2-40B4-BE49-F238E27FC236}">
-                <a16:creationId xmlns:a16="http://schemas.microsoft.com/office/drawing/2014/main" id="{C216D54A-62FD-58DA-8565-9005D50B7FFA}"/>
+                <a16:creationId xmlns:a16="http://schemas.microsoft.com/office/drawing/2014/main" id="{5AE84CC7-4AB3-A019-1D6C-0AC6D131D49D}"/>
               </a:ext>
             </a:extLst>
           </p:cNvPr>
@@ -377,7 +377,7 @@
           <p:cNvPr id="3" name="竖排文字占位符 2">
             <a:extLst>
               <a:ext uri="{FF2B5EF4-FFF2-40B4-BE49-F238E27FC236}">
-                <a16:creationId xmlns:a16="http://schemas.microsoft.com/office/drawing/2014/main" id="{450ED233-E6CA-B113-AF69-A4A6EA33AED5}"/>
+                <a16:creationId xmlns:a16="http://schemas.microsoft.com/office/drawing/2014/main" id="{575A2AF0-D7DC-4131-754D-D0FC39C4E1A2}"/>
               </a:ext>
             </a:extLst>
           </p:cNvPr>
@@ -434,7 +434,7 @@
           <p:cNvPr id="4" name="日期占位符 3">
             <a:extLst>
               <a:ext uri="{FF2B5EF4-FFF2-40B4-BE49-F238E27FC236}">
-                <a16:creationId xmlns:a16="http://schemas.microsoft.com/office/drawing/2014/main" id="{885E50E0-406E-798B-99E8-AD7E77E79DFF}"/>
+                <a16:creationId xmlns:a16="http://schemas.microsoft.com/office/drawing/2014/main" id="{9024B5A3-5544-05B5-AF17-FF77DD02BA9D}"/>
               </a:ext>
             </a:extLst>
           </p:cNvPr>
@@ -450,7 +450,7 @@
           <a:bodyPr/>
           <a:lstStyle/>
           <a:p>
-            <a:fld id="{865C0C93-CDE5-46AE-9E3D-AF448A042D0A}" type="datetimeFigureOut">
+            <a:fld id="{B4B11746-F7B1-4622-9CB4-53D67DEBA7D6}" type="datetimeFigureOut">
               <a:rPr lang="zh-CN" altLang="en-US" smtClean="0"/>
               <a:t>2024/3/10</a:t>
             </a:fld>
@@ -463,7 +463,7 @@
           <p:cNvPr id="5" name="页脚占位符 4">
             <a:extLst>
               <a:ext uri="{FF2B5EF4-FFF2-40B4-BE49-F238E27FC236}">
-                <a16:creationId xmlns:a16="http://schemas.microsoft.com/office/drawing/2014/main" id="{D4D72502-1716-D2EE-1219-E029C9CB48B3}"/>
+                <a16:creationId xmlns:a16="http://schemas.microsoft.com/office/drawing/2014/main" id="{854A4A00-DB9B-5F5F-6162-FA5C425F23C3}"/>
               </a:ext>
             </a:extLst>
           </p:cNvPr>
@@ -488,7 +488,7 @@
           <p:cNvPr id="6" name="灯片编号占位符 5">
             <a:extLst>
               <a:ext uri="{FF2B5EF4-FFF2-40B4-BE49-F238E27FC236}">
-                <a16:creationId xmlns:a16="http://schemas.microsoft.com/office/drawing/2014/main" id="{27FC074D-EBD0-A7D0-2B27-44AE20B05FEC}"/>
+                <a16:creationId xmlns:a16="http://schemas.microsoft.com/office/drawing/2014/main" id="{C04AADF9-42A1-679C-0A66-74B7562FFDD4}"/>
               </a:ext>
             </a:extLst>
           </p:cNvPr>
@@ -504,7 +504,7 @@
           <a:bodyPr/>
           <a:lstStyle/>
           <a:p>
-            <a:fld id="{3CC8FA17-C0FB-41AD-86FD-80EB615B1B53}" type="slidenum">
+            <a:fld id="{0C6F0577-394F-4A67-B3C8-0805153C908D}" type="slidenum">
               <a:rPr lang="zh-CN" altLang="en-US" smtClean="0"/>
               <a:t>‹#›</a:t>
             </a:fld>
@@ -515,7 +515,7 @@
     </p:spTree>
     <p:extLst>
       <p:ext uri="{BB962C8B-B14F-4D97-AF65-F5344CB8AC3E}">
-        <p14:creationId xmlns:p14="http://schemas.microsoft.com/office/powerpoint/2010/main" val="1370080800"/>
+        <p14:creationId xmlns:p14="http://schemas.microsoft.com/office/powerpoint/2010/main" val="3047000067"/>
       </p:ext>
     </p:extLst>
   </p:cSld>
@@ -547,7 +547,7 @@
           <p:cNvPr id="2" name="竖排标题 1">
             <a:extLst>
               <a:ext uri="{FF2B5EF4-FFF2-40B4-BE49-F238E27FC236}">
-                <a16:creationId xmlns:a16="http://schemas.microsoft.com/office/drawing/2014/main" id="{AA9E9CDA-1A4C-2BA5-3BB9-C9A4F5DA10AA}"/>
+                <a16:creationId xmlns:a16="http://schemas.microsoft.com/office/drawing/2014/main" id="{5C1B4E2E-ADF4-70E8-DB4F-D36C10395529}"/>
               </a:ext>
             </a:extLst>
           </p:cNvPr>
@@ -580,7 +580,7 @@
           <p:cNvPr id="3" name="竖排文字占位符 2">
             <a:extLst>
               <a:ext uri="{FF2B5EF4-FFF2-40B4-BE49-F238E27FC236}">
-                <a16:creationId xmlns:a16="http://schemas.microsoft.com/office/drawing/2014/main" id="{6580CFE1-A27B-246E-F59B-B1E1C3506644}"/>
+                <a16:creationId xmlns:a16="http://schemas.microsoft.com/office/drawing/2014/main" id="{0457458B-2B7A-3CD5-9FDB-FCC308216B6F}"/>
               </a:ext>
             </a:extLst>
           </p:cNvPr>
@@ -642,7 +642,7 @@
           <p:cNvPr id="4" name="日期占位符 3">
             <a:extLst>
               <a:ext uri="{FF2B5EF4-FFF2-40B4-BE49-F238E27FC236}">
-                <a16:creationId xmlns:a16="http://schemas.microsoft.com/office/drawing/2014/main" id="{E3A03FE6-DB1A-2983-3E6D-C4245CE5A20D}"/>
+                <a16:creationId xmlns:a16="http://schemas.microsoft.com/office/drawing/2014/main" id="{602BEBA2-B2B7-893D-2A41-CBD8054AF6D9}"/>
               </a:ext>
             </a:extLst>
           </p:cNvPr>
@@ -658,7 +658,7 @@
           <a:bodyPr/>
           <a:lstStyle/>
           <a:p>
-            <a:fld id="{865C0C93-CDE5-46AE-9E3D-AF448A042D0A}" type="datetimeFigureOut">
+            <a:fld id="{B4B11746-F7B1-4622-9CB4-53D67DEBA7D6}" type="datetimeFigureOut">
               <a:rPr lang="zh-CN" altLang="en-US" smtClean="0"/>
               <a:t>2024/3/10</a:t>
             </a:fld>
@@ -671,7 +671,7 @@
           <p:cNvPr id="5" name="页脚占位符 4">
             <a:extLst>
               <a:ext uri="{FF2B5EF4-FFF2-40B4-BE49-F238E27FC236}">
-                <a16:creationId xmlns:a16="http://schemas.microsoft.com/office/drawing/2014/main" id="{386980EE-51E5-B291-2D40-397D97A56832}"/>
+                <a16:creationId xmlns:a16="http://schemas.microsoft.com/office/drawing/2014/main" id="{0B65757A-FE9B-561B-51AD-889C0A1D7AC2}"/>
               </a:ext>
             </a:extLst>
           </p:cNvPr>
@@ -696,7 +696,7 @@
           <p:cNvPr id="6" name="灯片编号占位符 5">
             <a:extLst>
               <a:ext uri="{FF2B5EF4-FFF2-40B4-BE49-F238E27FC236}">
-                <a16:creationId xmlns:a16="http://schemas.microsoft.com/office/drawing/2014/main" id="{CE01029A-4772-0620-3586-3393A4ACFB8A}"/>
+                <a16:creationId xmlns:a16="http://schemas.microsoft.com/office/drawing/2014/main" id="{440A9B63-8F82-6446-D7FC-55B71C242850}"/>
               </a:ext>
             </a:extLst>
           </p:cNvPr>
@@ -712,7 +712,7 @@
           <a:bodyPr/>
           <a:lstStyle/>
           <a:p>
-            <a:fld id="{3CC8FA17-C0FB-41AD-86FD-80EB615B1B53}" type="slidenum">
+            <a:fld id="{0C6F0577-394F-4A67-B3C8-0805153C908D}" type="slidenum">
               <a:rPr lang="zh-CN" altLang="en-US" smtClean="0"/>
               <a:t>‹#›</a:t>
             </a:fld>
@@ -723,7 +723,7 @@
     </p:spTree>
     <p:extLst>
       <p:ext uri="{BB962C8B-B14F-4D97-AF65-F5344CB8AC3E}">
-        <p14:creationId xmlns:p14="http://schemas.microsoft.com/office/powerpoint/2010/main" val="4074938539"/>
+        <p14:creationId xmlns:p14="http://schemas.microsoft.com/office/powerpoint/2010/main" val="3070913178"/>
       </p:ext>
     </p:extLst>
   </p:cSld>
@@ -755,7 +755,7 @@
           <p:cNvPr id="2" name="标题 1">
             <a:extLst>
               <a:ext uri="{FF2B5EF4-FFF2-40B4-BE49-F238E27FC236}">
-                <a16:creationId xmlns:a16="http://schemas.microsoft.com/office/drawing/2014/main" id="{7490906E-8A79-3549-D49F-C43D9CE33EE0}"/>
+                <a16:creationId xmlns:a16="http://schemas.microsoft.com/office/drawing/2014/main" id="{B136DD7B-3A17-45A2-4ED7-231C79F716E3}"/>
               </a:ext>
             </a:extLst>
           </p:cNvPr>
@@ -783,7 +783,7 @@
           <p:cNvPr id="3" name="内容占位符 2">
             <a:extLst>
               <a:ext uri="{FF2B5EF4-FFF2-40B4-BE49-F238E27FC236}">
-                <a16:creationId xmlns:a16="http://schemas.microsoft.com/office/drawing/2014/main" id="{363E2BDE-53B4-8C38-A262-BB692CC631BD}"/>
+                <a16:creationId xmlns:a16="http://schemas.microsoft.com/office/drawing/2014/main" id="{A0A1EFF3-F714-C258-36FF-94B79A67BEE2}"/>
               </a:ext>
             </a:extLst>
           </p:cNvPr>
@@ -840,7 +840,7 @@
           <p:cNvPr id="4" name="日期占位符 3">
             <a:extLst>
               <a:ext uri="{FF2B5EF4-FFF2-40B4-BE49-F238E27FC236}">
-                <a16:creationId xmlns:a16="http://schemas.microsoft.com/office/drawing/2014/main" id="{F659FE8C-E916-F120-A430-152373D7A88A}"/>
+                <a16:creationId xmlns:a16="http://schemas.microsoft.com/office/drawing/2014/main" id="{36EC3B07-D4D9-5948-EC0B-BD37F94E93EE}"/>
               </a:ext>
             </a:extLst>
           </p:cNvPr>
@@ -856,7 +856,7 @@
           <a:bodyPr/>
           <a:lstStyle/>
           <a:p>
-            <a:fld id="{865C0C93-CDE5-46AE-9E3D-AF448A042D0A}" type="datetimeFigureOut">
+            <a:fld id="{B4B11746-F7B1-4622-9CB4-53D67DEBA7D6}" type="datetimeFigureOut">
               <a:rPr lang="zh-CN" altLang="en-US" smtClean="0"/>
               <a:t>2024/3/10</a:t>
             </a:fld>
@@ -869,7 +869,7 @@
           <p:cNvPr id="5" name="页脚占位符 4">
             <a:extLst>
               <a:ext uri="{FF2B5EF4-FFF2-40B4-BE49-F238E27FC236}">
-                <a16:creationId xmlns:a16="http://schemas.microsoft.com/office/drawing/2014/main" id="{A3D57C7A-FF05-2035-B40B-6905ABDE2305}"/>
+                <a16:creationId xmlns:a16="http://schemas.microsoft.com/office/drawing/2014/main" id="{FE116462-CE42-1A7A-4A71-BAD86FB41B21}"/>
               </a:ext>
             </a:extLst>
           </p:cNvPr>
@@ -894,7 +894,7 @@
           <p:cNvPr id="6" name="灯片编号占位符 5">
             <a:extLst>
               <a:ext uri="{FF2B5EF4-FFF2-40B4-BE49-F238E27FC236}">
-                <a16:creationId xmlns:a16="http://schemas.microsoft.com/office/drawing/2014/main" id="{83AA44E8-B9D7-D7B8-63F5-7D54A9DF57E1}"/>
+                <a16:creationId xmlns:a16="http://schemas.microsoft.com/office/drawing/2014/main" id="{0710EACC-46F6-2B6C-2214-C63C953292BB}"/>
               </a:ext>
             </a:extLst>
           </p:cNvPr>
@@ -910,7 +910,7 @@
           <a:bodyPr/>
           <a:lstStyle/>
           <a:p>
-            <a:fld id="{3CC8FA17-C0FB-41AD-86FD-80EB615B1B53}" type="slidenum">
+            <a:fld id="{0C6F0577-394F-4A67-B3C8-0805153C908D}" type="slidenum">
               <a:rPr lang="zh-CN" altLang="en-US" smtClean="0"/>
               <a:t>‹#›</a:t>
             </a:fld>
@@ -921,7 +921,7 @@
     </p:spTree>
     <p:extLst>
       <p:ext uri="{BB962C8B-B14F-4D97-AF65-F5344CB8AC3E}">
-        <p14:creationId xmlns:p14="http://schemas.microsoft.com/office/powerpoint/2010/main" val="339821476"/>
+        <p14:creationId xmlns:p14="http://schemas.microsoft.com/office/powerpoint/2010/main" val="4190506852"/>
       </p:ext>
     </p:extLst>
   </p:cSld>
@@ -953,7 +953,7 @@
           <p:cNvPr id="2" name="标题 1">
             <a:extLst>
               <a:ext uri="{FF2B5EF4-FFF2-40B4-BE49-F238E27FC236}">
-                <a16:creationId xmlns:a16="http://schemas.microsoft.com/office/drawing/2014/main" id="{8C708091-54E3-3840-A925-860A790F53AE}"/>
+                <a16:creationId xmlns:a16="http://schemas.microsoft.com/office/drawing/2014/main" id="{AC0A2B73-B73F-3466-8B2B-7A0879D4C621}"/>
               </a:ext>
             </a:extLst>
           </p:cNvPr>
@@ -990,7 +990,7 @@
           <p:cNvPr id="3" name="文本占位符 2">
             <a:extLst>
               <a:ext uri="{FF2B5EF4-FFF2-40B4-BE49-F238E27FC236}">
-                <a16:creationId xmlns:a16="http://schemas.microsoft.com/office/drawing/2014/main" id="{A07AFC3D-BADE-63B3-4FD0-0F9A84273D39}"/>
+                <a16:creationId xmlns:a16="http://schemas.microsoft.com/office/drawing/2014/main" id="{37C0CD5D-7E93-3CAF-2548-3D4527C91B19}"/>
               </a:ext>
             </a:extLst>
           </p:cNvPr>
@@ -1115,7 +1115,7 @@
           <p:cNvPr id="4" name="日期占位符 3">
             <a:extLst>
               <a:ext uri="{FF2B5EF4-FFF2-40B4-BE49-F238E27FC236}">
-                <a16:creationId xmlns:a16="http://schemas.microsoft.com/office/drawing/2014/main" id="{C1D1BFEE-A0EA-B4BF-B409-B1FB167114E5}"/>
+                <a16:creationId xmlns:a16="http://schemas.microsoft.com/office/drawing/2014/main" id="{DD28C6C2-0EFC-9882-9924-897DC63267B9}"/>
               </a:ext>
             </a:extLst>
           </p:cNvPr>
@@ -1131,7 +1131,7 @@
           <a:bodyPr/>
           <a:lstStyle/>
           <a:p>
-            <a:fld id="{865C0C93-CDE5-46AE-9E3D-AF448A042D0A}" type="datetimeFigureOut">
+            <a:fld id="{B4B11746-F7B1-4622-9CB4-53D67DEBA7D6}" type="datetimeFigureOut">
               <a:rPr lang="zh-CN" altLang="en-US" smtClean="0"/>
               <a:t>2024/3/10</a:t>
             </a:fld>
@@ -1144,7 +1144,7 @@
           <p:cNvPr id="5" name="页脚占位符 4">
             <a:extLst>
               <a:ext uri="{FF2B5EF4-FFF2-40B4-BE49-F238E27FC236}">
-                <a16:creationId xmlns:a16="http://schemas.microsoft.com/office/drawing/2014/main" id="{5FB09219-EABA-4CCC-B31C-E98FF66F4CBC}"/>
+                <a16:creationId xmlns:a16="http://schemas.microsoft.com/office/drawing/2014/main" id="{B228B4A7-733F-C972-D0A8-D51B5238B3B6}"/>
               </a:ext>
             </a:extLst>
           </p:cNvPr>
@@ -1169,7 +1169,7 @@
           <p:cNvPr id="6" name="灯片编号占位符 5">
             <a:extLst>
               <a:ext uri="{FF2B5EF4-FFF2-40B4-BE49-F238E27FC236}">
-                <a16:creationId xmlns:a16="http://schemas.microsoft.com/office/drawing/2014/main" id="{79BE16E6-9568-F3B6-D356-E1F2B7C69D3E}"/>
+                <a16:creationId xmlns:a16="http://schemas.microsoft.com/office/drawing/2014/main" id="{85AB35AB-8917-E212-D9C4-605C6A231359}"/>
               </a:ext>
             </a:extLst>
           </p:cNvPr>
@@ -1185,7 +1185,7 @@
           <a:bodyPr/>
           <a:lstStyle/>
           <a:p>
-            <a:fld id="{3CC8FA17-C0FB-41AD-86FD-80EB615B1B53}" type="slidenum">
+            <a:fld id="{0C6F0577-394F-4A67-B3C8-0805153C908D}" type="slidenum">
               <a:rPr lang="zh-CN" altLang="en-US" smtClean="0"/>
               <a:t>‹#›</a:t>
             </a:fld>
@@ -1196,7 +1196,7 @@
     </p:spTree>
     <p:extLst>
       <p:ext uri="{BB962C8B-B14F-4D97-AF65-F5344CB8AC3E}">
-        <p14:creationId xmlns:p14="http://schemas.microsoft.com/office/powerpoint/2010/main" val="1668575897"/>
+        <p14:creationId xmlns:p14="http://schemas.microsoft.com/office/powerpoint/2010/main" val="622471095"/>
       </p:ext>
     </p:extLst>
   </p:cSld>
@@ -1228,7 +1228,7 @@
           <p:cNvPr id="2" name="标题 1">
             <a:extLst>
               <a:ext uri="{FF2B5EF4-FFF2-40B4-BE49-F238E27FC236}">
-                <a16:creationId xmlns:a16="http://schemas.microsoft.com/office/drawing/2014/main" id="{4A5FD506-C685-69E6-7893-BB61EBAB1D25}"/>
+                <a16:creationId xmlns:a16="http://schemas.microsoft.com/office/drawing/2014/main" id="{47EE6E93-7E88-D8D0-D465-478DDB14AB57}"/>
               </a:ext>
             </a:extLst>
           </p:cNvPr>
@@ -1256,7 +1256,7 @@
           <p:cNvPr id="3" name="内容占位符 2">
             <a:extLst>
               <a:ext uri="{FF2B5EF4-FFF2-40B4-BE49-F238E27FC236}">
-                <a16:creationId xmlns:a16="http://schemas.microsoft.com/office/drawing/2014/main" id="{9A5E5D1B-5812-7DB3-7AEE-D2D9FE048C8A}"/>
+                <a16:creationId xmlns:a16="http://schemas.microsoft.com/office/drawing/2014/main" id="{8EBF9B15-F67F-B1BD-4379-CAA018A38BC1}"/>
               </a:ext>
             </a:extLst>
           </p:cNvPr>
@@ -1318,7 +1318,7 @@
           <p:cNvPr id="4" name="内容占位符 3">
             <a:extLst>
               <a:ext uri="{FF2B5EF4-FFF2-40B4-BE49-F238E27FC236}">
-                <a16:creationId xmlns:a16="http://schemas.microsoft.com/office/drawing/2014/main" id="{1A7B5A8A-57C9-33A2-3D29-96682C3D91A5}"/>
+                <a16:creationId xmlns:a16="http://schemas.microsoft.com/office/drawing/2014/main" id="{212BF992-C7A5-B466-6191-E9041EEB9E93}"/>
               </a:ext>
             </a:extLst>
           </p:cNvPr>
@@ -1380,7 +1380,7 @@
           <p:cNvPr id="5" name="日期占位符 4">
             <a:extLst>
               <a:ext uri="{FF2B5EF4-FFF2-40B4-BE49-F238E27FC236}">
-                <a16:creationId xmlns:a16="http://schemas.microsoft.com/office/drawing/2014/main" id="{526F88E5-D8D3-B1BB-CC80-8B6B3EF01639}"/>
+                <a16:creationId xmlns:a16="http://schemas.microsoft.com/office/drawing/2014/main" id="{CC166589-253B-D404-C1F5-9FDCD7A4714A}"/>
               </a:ext>
             </a:extLst>
           </p:cNvPr>
@@ -1396,7 +1396,7 @@
           <a:bodyPr/>
           <a:lstStyle/>
           <a:p>
-            <a:fld id="{865C0C93-CDE5-46AE-9E3D-AF448A042D0A}" type="datetimeFigureOut">
+            <a:fld id="{B4B11746-F7B1-4622-9CB4-53D67DEBA7D6}" type="datetimeFigureOut">
               <a:rPr lang="zh-CN" altLang="en-US" smtClean="0"/>
               <a:t>2024/3/10</a:t>
             </a:fld>
@@ -1409,7 +1409,7 @@
           <p:cNvPr id="6" name="页脚占位符 5">
             <a:extLst>
               <a:ext uri="{FF2B5EF4-FFF2-40B4-BE49-F238E27FC236}">
-                <a16:creationId xmlns:a16="http://schemas.microsoft.com/office/drawing/2014/main" id="{B4410B8B-149F-A53B-11E2-456B8D3D431F}"/>
+                <a16:creationId xmlns:a16="http://schemas.microsoft.com/office/drawing/2014/main" id="{B1A31163-8662-6CFB-63C7-57763C08C96D}"/>
               </a:ext>
             </a:extLst>
           </p:cNvPr>
@@ -1434,7 +1434,7 @@
           <p:cNvPr id="7" name="灯片编号占位符 6">
             <a:extLst>
               <a:ext uri="{FF2B5EF4-FFF2-40B4-BE49-F238E27FC236}">
-                <a16:creationId xmlns:a16="http://schemas.microsoft.com/office/drawing/2014/main" id="{104B6C78-B51C-F49A-21AF-5560C70A7FAA}"/>
+                <a16:creationId xmlns:a16="http://schemas.microsoft.com/office/drawing/2014/main" id="{8C4B9C58-024C-1E79-83B4-CE17888657E7}"/>
               </a:ext>
             </a:extLst>
           </p:cNvPr>
@@ -1450,7 +1450,7 @@
           <a:bodyPr/>
           <a:lstStyle/>
           <a:p>
-            <a:fld id="{3CC8FA17-C0FB-41AD-86FD-80EB615B1B53}" type="slidenum">
+            <a:fld id="{0C6F0577-394F-4A67-B3C8-0805153C908D}" type="slidenum">
               <a:rPr lang="zh-CN" altLang="en-US" smtClean="0"/>
               <a:t>‹#›</a:t>
             </a:fld>
@@ -1461,7 +1461,7 @@
     </p:spTree>
     <p:extLst>
       <p:ext uri="{BB962C8B-B14F-4D97-AF65-F5344CB8AC3E}">
-        <p14:creationId xmlns:p14="http://schemas.microsoft.com/office/powerpoint/2010/main" val="2035069746"/>
+        <p14:creationId xmlns:p14="http://schemas.microsoft.com/office/powerpoint/2010/main" val="2008530192"/>
       </p:ext>
     </p:extLst>
   </p:cSld>
@@ -1493,7 +1493,7 @@
           <p:cNvPr id="2" name="标题 1">
             <a:extLst>
               <a:ext uri="{FF2B5EF4-FFF2-40B4-BE49-F238E27FC236}">
-                <a16:creationId xmlns:a16="http://schemas.microsoft.com/office/drawing/2014/main" id="{AF35111A-54FF-E7A8-C4D1-D90515A10ECE}"/>
+                <a16:creationId xmlns:a16="http://schemas.microsoft.com/office/drawing/2014/main" id="{8F0925F7-193F-F636-5598-295540502C7F}"/>
               </a:ext>
             </a:extLst>
           </p:cNvPr>
@@ -1526,7 +1526,7 @@
           <p:cNvPr id="3" name="文本占位符 2">
             <a:extLst>
               <a:ext uri="{FF2B5EF4-FFF2-40B4-BE49-F238E27FC236}">
-                <a16:creationId xmlns:a16="http://schemas.microsoft.com/office/drawing/2014/main" id="{94D6F0ED-F273-6C22-878D-9838781273D1}"/>
+                <a16:creationId xmlns:a16="http://schemas.microsoft.com/office/drawing/2014/main" id="{5A593798-29B8-A5B1-3B16-53493D7EBFFC}"/>
               </a:ext>
             </a:extLst>
           </p:cNvPr>
@@ -1597,7 +1597,7 @@
           <p:cNvPr id="4" name="内容占位符 3">
             <a:extLst>
               <a:ext uri="{FF2B5EF4-FFF2-40B4-BE49-F238E27FC236}">
-                <a16:creationId xmlns:a16="http://schemas.microsoft.com/office/drawing/2014/main" id="{9E1155B8-4A36-DF8A-705C-6FF6DCF9C590}"/>
+                <a16:creationId xmlns:a16="http://schemas.microsoft.com/office/drawing/2014/main" id="{1339847D-8729-1E36-A23F-ACDDADC5E1C4}"/>
               </a:ext>
             </a:extLst>
           </p:cNvPr>
@@ -1659,7 +1659,7 @@
           <p:cNvPr id="5" name="文本占位符 4">
             <a:extLst>
               <a:ext uri="{FF2B5EF4-FFF2-40B4-BE49-F238E27FC236}">
-                <a16:creationId xmlns:a16="http://schemas.microsoft.com/office/drawing/2014/main" id="{087869AD-4481-2305-B67F-F93637279F58}"/>
+                <a16:creationId xmlns:a16="http://schemas.microsoft.com/office/drawing/2014/main" id="{33203149-3629-BAB5-A0AF-B197538D1814}"/>
               </a:ext>
             </a:extLst>
           </p:cNvPr>
@@ -1730,7 +1730,7 @@
           <p:cNvPr id="6" name="内容占位符 5">
             <a:extLst>
               <a:ext uri="{FF2B5EF4-FFF2-40B4-BE49-F238E27FC236}">
-                <a16:creationId xmlns:a16="http://schemas.microsoft.com/office/drawing/2014/main" id="{3D3B5FAD-9585-BA84-FDEB-B530D03A538B}"/>
+                <a16:creationId xmlns:a16="http://schemas.microsoft.com/office/drawing/2014/main" id="{C19224DE-6806-6EF6-E30F-A14CB01C665E}"/>
               </a:ext>
             </a:extLst>
           </p:cNvPr>
@@ -1792,7 +1792,7 @@
           <p:cNvPr id="7" name="日期占位符 6">
             <a:extLst>
               <a:ext uri="{FF2B5EF4-FFF2-40B4-BE49-F238E27FC236}">
-                <a16:creationId xmlns:a16="http://schemas.microsoft.com/office/drawing/2014/main" id="{1D81C927-B958-1AA4-5CBB-044CBFECAB7B}"/>
+                <a16:creationId xmlns:a16="http://schemas.microsoft.com/office/drawing/2014/main" id="{D06F8B04-3C32-AC0C-E049-0E93313A4FA1}"/>
               </a:ext>
             </a:extLst>
           </p:cNvPr>
@@ -1808,7 +1808,7 @@
           <a:bodyPr/>
           <a:lstStyle/>
           <a:p>
-            <a:fld id="{865C0C93-CDE5-46AE-9E3D-AF448A042D0A}" type="datetimeFigureOut">
+            <a:fld id="{B4B11746-F7B1-4622-9CB4-53D67DEBA7D6}" type="datetimeFigureOut">
               <a:rPr lang="zh-CN" altLang="en-US" smtClean="0"/>
               <a:t>2024/3/10</a:t>
             </a:fld>
@@ -1821,7 +1821,7 @@
           <p:cNvPr id="8" name="页脚占位符 7">
             <a:extLst>
               <a:ext uri="{FF2B5EF4-FFF2-40B4-BE49-F238E27FC236}">
-                <a16:creationId xmlns:a16="http://schemas.microsoft.com/office/drawing/2014/main" id="{5FD11D86-B7AE-73A2-A46B-E47C652BD941}"/>
+                <a16:creationId xmlns:a16="http://schemas.microsoft.com/office/drawing/2014/main" id="{A18F0EE1-7D16-76DD-4BEB-90806EC11A9E}"/>
               </a:ext>
             </a:extLst>
           </p:cNvPr>
@@ -1846,7 +1846,7 @@
           <p:cNvPr id="9" name="灯片编号占位符 8">
             <a:extLst>
               <a:ext uri="{FF2B5EF4-FFF2-40B4-BE49-F238E27FC236}">
-                <a16:creationId xmlns:a16="http://schemas.microsoft.com/office/drawing/2014/main" id="{BBEA283D-BC02-FA52-AB88-DC5B68201DFC}"/>
+                <a16:creationId xmlns:a16="http://schemas.microsoft.com/office/drawing/2014/main" id="{384B619E-4C27-0435-5474-E681872400A9}"/>
               </a:ext>
             </a:extLst>
           </p:cNvPr>
@@ -1862,7 +1862,7 @@
           <a:bodyPr/>
           <a:lstStyle/>
           <a:p>
-            <a:fld id="{3CC8FA17-C0FB-41AD-86FD-80EB615B1B53}" type="slidenum">
+            <a:fld id="{0C6F0577-394F-4A67-B3C8-0805153C908D}" type="slidenum">
               <a:rPr lang="zh-CN" altLang="en-US" smtClean="0"/>
               <a:t>‹#›</a:t>
             </a:fld>
@@ -1873,7 +1873,7 @@
     </p:spTree>
     <p:extLst>
       <p:ext uri="{BB962C8B-B14F-4D97-AF65-F5344CB8AC3E}">
-        <p14:creationId xmlns:p14="http://schemas.microsoft.com/office/powerpoint/2010/main" val="2363170984"/>
+        <p14:creationId xmlns:p14="http://schemas.microsoft.com/office/powerpoint/2010/main" val="2294735279"/>
       </p:ext>
     </p:extLst>
   </p:cSld>
@@ -1905,7 +1905,7 @@
           <p:cNvPr id="2" name="标题 1">
             <a:extLst>
               <a:ext uri="{FF2B5EF4-FFF2-40B4-BE49-F238E27FC236}">
-                <a16:creationId xmlns:a16="http://schemas.microsoft.com/office/drawing/2014/main" id="{6E112FD1-D42E-0646-2EDD-976B7A803B99}"/>
+                <a16:creationId xmlns:a16="http://schemas.microsoft.com/office/drawing/2014/main" id="{FCED39F5-45CE-8798-FD6B-2D22E236CFE2}"/>
               </a:ext>
             </a:extLst>
           </p:cNvPr>
@@ -1933,7 +1933,7 @@
           <p:cNvPr id="3" name="日期占位符 2">
             <a:extLst>
               <a:ext uri="{FF2B5EF4-FFF2-40B4-BE49-F238E27FC236}">
-                <a16:creationId xmlns:a16="http://schemas.microsoft.com/office/drawing/2014/main" id="{C88B4F32-CB83-4E5E-6807-FA05EF0A6EB3}"/>
+                <a16:creationId xmlns:a16="http://schemas.microsoft.com/office/drawing/2014/main" id="{54EB5162-CC44-A864-A2BB-46F2FFB21233}"/>
               </a:ext>
             </a:extLst>
           </p:cNvPr>
@@ -1949,7 +1949,7 @@
           <a:bodyPr/>
           <a:lstStyle/>
           <a:p>
-            <a:fld id="{865C0C93-CDE5-46AE-9E3D-AF448A042D0A}" type="datetimeFigureOut">
+            <a:fld id="{B4B11746-F7B1-4622-9CB4-53D67DEBA7D6}" type="datetimeFigureOut">
               <a:rPr lang="zh-CN" altLang="en-US" smtClean="0"/>
               <a:t>2024/3/10</a:t>
             </a:fld>
@@ -1962,7 +1962,7 @@
           <p:cNvPr id="4" name="页脚占位符 3">
             <a:extLst>
               <a:ext uri="{FF2B5EF4-FFF2-40B4-BE49-F238E27FC236}">
-                <a16:creationId xmlns:a16="http://schemas.microsoft.com/office/drawing/2014/main" id="{BE20DC0F-5E06-DDC3-A62D-25355122AD9F}"/>
+                <a16:creationId xmlns:a16="http://schemas.microsoft.com/office/drawing/2014/main" id="{E09E253F-1BED-4751-D73F-9929D06D8130}"/>
               </a:ext>
             </a:extLst>
           </p:cNvPr>
@@ -1987,7 +1987,7 @@
           <p:cNvPr id="5" name="灯片编号占位符 4">
             <a:extLst>
               <a:ext uri="{FF2B5EF4-FFF2-40B4-BE49-F238E27FC236}">
-                <a16:creationId xmlns:a16="http://schemas.microsoft.com/office/drawing/2014/main" id="{58079540-ED99-DE4F-9587-1E77012ED7D9}"/>
+                <a16:creationId xmlns:a16="http://schemas.microsoft.com/office/drawing/2014/main" id="{43BFEC67-F4AC-7491-8D34-21A75E05A48C}"/>
               </a:ext>
             </a:extLst>
           </p:cNvPr>
@@ -2003,7 +2003,7 @@
           <a:bodyPr/>
           <a:lstStyle/>
           <a:p>
-            <a:fld id="{3CC8FA17-C0FB-41AD-86FD-80EB615B1B53}" type="slidenum">
+            <a:fld id="{0C6F0577-394F-4A67-B3C8-0805153C908D}" type="slidenum">
               <a:rPr lang="zh-CN" altLang="en-US" smtClean="0"/>
               <a:t>‹#›</a:t>
             </a:fld>
@@ -2014,7 +2014,7 @@
     </p:spTree>
     <p:extLst>
       <p:ext uri="{BB962C8B-B14F-4D97-AF65-F5344CB8AC3E}">
-        <p14:creationId xmlns:p14="http://schemas.microsoft.com/office/powerpoint/2010/main" val="2500550655"/>
+        <p14:creationId xmlns:p14="http://schemas.microsoft.com/office/powerpoint/2010/main" val="1906265024"/>
       </p:ext>
     </p:extLst>
   </p:cSld>
@@ -2046,7 +2046,7 @@
           <p:cNvPr id="2" name="日期占位符 1">
             <a:extLst>
               <a:ext uri="{FF2B5EF4-FFF2-40B4-BE49-F238E27FC236}">
-                <a16:creationId xmlns:a16="http://schemas.microsoft.com/office/drawing/2014/main" id="{946E0EDA-F3F6-00CA-212B-1BA746562BBB}"/>
+                <a16:creationId xmlns:a16="http://schemas.microsoft.com/office/drawing/2014/main" id="{D2DCE800-5864-AC32-B80F-E161323729A7}"/>
               </a:ext>
             </a:extLst>
           </p:cNvPr>
@@ -2062,7 +2062,7 @@
           <a:bodyPr/>
           <a:lstStyle/>
           <a:p>
-            <a:fld id="{865C0C93-CDE5-46AE-9E3D-AF448A042D0A}" type="datetimeFigureOut">
+            <a:fld id="{B4B11746-F7B1-4622-9CB4-53D67DEBA7D6}" type="datetimeFigureOut">
               <a:rPr lang="zh-CN" altLang="en-US" smtClean="0"/>
               <a:t>2024/3/10</a:t>
             </a:fld>
@@ -2075,7 +2075,7 @@
           <p:cNvPr id="3" name="页脚占位符 2">
             <a:extLst>
               <a:ext uri="{FF2B5EF4-FFF2-40B4-BE49-F238E27FC236}">
-                <a16:creationId xmlns:a16="http://schemas.microsoft.com/office/drawing/2014/main" id="{67076AE5-087F-89D7-F625-B17D507F4342}"/>
+                <a16:creationId xmlns:a16="http://schemas.microsoft.com/office/drawing/2014/main" id="{10F7DFCE-3601-7A39-375F-EE2AC73DDB5B}"/>
               </a:ext>
             </a:extLst>
           </p:cNvPr>
@@ -2100,7 +2100,7 @@
           <p:cNvPr id="4" name="灯片编号占位符 3">
             <a:extLst>
               <a:ext uri="{FF2B5EF4-FFF2-40B4-BE49-F238E27FC236}">
-                <a16:creationId xmlns:a16="http://schemas.microsoft.com/office/drawing/2014/main" id="{DD85383B-B299-EEF6-7065-3DE567F45ED6}"/>
+                <a16:creationId xmlns:a16="http://schemas.microsoft.com/office/drawing/2014/main" id="{1497CD1C-5015-7A22-8FF1-335D8A86B853}"/>
               </a:ext>
             </a:extLst>
           </p:cNvPr>
@@ -2116,7 +2116,7 @@
           <a:bodyPr/>
           <a:lstStyle/>
           <a:p>
-            <a:fld id="{3CC8FA17-C0FB-41AD-86FD-80EB615B1B53}" type="slidenum">
+            <a:fld id="{0C6F0577-394F-4A67-B3C8-0805153C908D}" type="slidenum">
               <a:rPr lang="zh-CN" altLang="en-US" smtClean="0"/>
               <a:t>‹#›</a:t>
             </a:fld>
@@ -2127,7 +2127,7 @@
     </p:spTree>
     <p:extLst>
       <p:ext uri="{BB962C8B-B14F-4D97-AF65-F5344CB8AC3E}">
-        <p14:creationId xmlns:p14="http://schemas.microsoft.com/office/powerpoint/2010/main" val="883838807"/>
+        <p14:creationId xmlns:p14="http://schemas.microsoft.com/office/powerpoint/2010/main" val="385808471"/>
       </p:ext>
     </p:extLst>
   </p:cSld>
@@ -2159,7 +2159,7 @@
           <p:cNvPr id="2" name="标题 1">
             <a:extLst>
               <a:ext uri="{FF2B5EF4-FFF2-40B4-BE49-F238E27FC236}">
-                <a16:creationId xmlns:a16="http://schemas.microsoft.com/office/drawing/2014/main" id="{10CE758F-9E49-CBE0-B082-A0019E7D09DF}"/>
+                <a16:creationId xmlns:a16="http://schemas.microsoft.com/office/drawing/2014/main" id="{137CDD7C-A4E0-241D-8962-CDDD6EF0BE7A}"/>
               </a:ext>
             </a:extLst>
           </p:cNvPr>
@@ -2196,7 +2196,7 @@
           <p:cNvPr id="3" name="内容占位符 2">
             <a:extLst>
               <a:ext uri="{FF2B5EF4-FFF2-40B4-BE49-F238E27FC236}">
-                <a16:creationId xmlns:a16="http://schemas.microsoft.com/office/drawing/2014/main" id="{6D496F01-A529-11D3-B2EE-2B26D2EFB3F9}"/>
+                <a16:creationId xmlns:a16="http://schemas.microsoft.com/office/drawing/2014/main" id="{937CA74E-7196-7E9C-AF1D-A01925F05EB2}"/>
               </a:ext>
             </a:extLst>
           </p:cNvPr>
@@ -2286,7 +2286,7 @@
           <p:cNvPr id="4" name="文本占位符 3">
             <a:extLst>
               <a:ext uri="{FF2B5EF4-FFF2-40B4-BE49-F238E27FC236}">
-                <a16:creationId xmlns:a16="http://schemas.microsoft.com/office/drawing/2014/main" id="{8A4A12E6-42BB-C741-7719-CE086435D846}"/>
+                <a16:creationId xmlns:a16="http://schemas.microsoft.com/office/drawing/2014/main" id="{0928EE50-3400-CFC8-9741-6332843C42F3}"/>
               </a:ext>
             </a:extLst>
           </p:cNvPr>
@@ -2357,7 +2357,7 @@
           <p:cNvPr id="5" name="日期占位符 4">
             <a:extLst>
               <a:ext uri="{FF2B5EF4-FFF2-40B4-BE49-F238E27FC236}">
-                <a16:creationId xmlns:a16="http://schemas.microsoft.com/office/drawing/2014/main" id="{66021522-1E26-0D62-92BF-E4B679C9D060}"/>
+                <a16:creationId xmlns:a16="http://schemas.microsoft.com/office/drawing/2014/main" id="{42493234-86E3-E582-CD2F-B1238C942D87}"/>
               </a:ext>
             </a:extLst>
           </p:cNvPr>
@@ -2373,7 +2373,7 @@
           <a:bodyPr/>
           <a:lstStyle/>
           <a:p>
-            <a:fld id="{865C0C93-CDE5-46AE-9E3D-AF448A042D0A}" type="datetimeFigureOut">
+            <a:fld id="{B4B11746-F7B1-4622-9CB4-53D67DEBA7D6}" type="datetimeFigureOut">
               <a:rPr lang="zh-CN" altLang="en-US" smtClean="0"/>
               <a:t>2024/3/10</a:t>
             </a:fld>
@@ -2386,7 +2386,7 @@
           <p:cNvPr id="6" name="页脚占位符 5">
             <a:extLst>
               <a:ext uri="{FF2B5EF4-FFF2-40B4-BE49-F238E27FC236}">
-                <a16:creationId xmlns:a16="http://schemas.microsoft.com/office/drawing/2014/main" id="{6A206E35-B228-1F7C-DADA-637465FB12A1}"/>
+                <a16:creationId xmlns:a16="http://schemas.microsoft.com/office/drawing/2014/main" id="{D8B0CD36-C97C-B660-CE6A-524E42964424}"/>
               </a:ext>
             </a:extLst>
           </p:cNvPr>
@@ -2411,7 +2411,7 @@
           <p:cNvPr id="7" name="灯片编号占位符 6">
             <a:extLst>
               <a:ext uri="{FF2B5EF4-FFF2-40B4-BE49-F238E27FC236}">
-                <a16:creationId xmlns:a16="http://schemas.microsoft.com/office/drawing/2014/main" id="{D80FB934-66FB-7057-FF1C-3F3547791DE4}"/>
+                <a16:creationId xmlns:a16="http://schemas.microsoft.com/office/drawing/2014/main" id="{BB6ABB4C-309E-EFDF-8B35-312B4E23FEF5}"/>
               </a:ext>
             </a:extLst>
           </p:cNvPr>
@@ -2427,7 +2427,7 @@
           <a:bodyPr/>
           <a:lstStyle/>
           <a:p>
-            <a:fld id="{3CC8FA17-C0FB-41AD-86FD-80EB615B1B53}" type="slidenum">
+            <a:fld id="{0C6F0577-394F-4A67-B3C8-0805153C908D}" type="slidenum">
               <a:rPr lang="zh-CN" altLang="en-US" smtClean="0"/>
               <a:t>‹#›</a:t>
             </a:fld>
@@ -2438,7 +2438,7 @@
     </p:spTree>
     <p:extLst>
       <p:ext uri="{BB962C8B-B14F-4D97-AF65-F5344CB8AC3E}">
-        <p14:creationId xmlns:p14="http://schemas.microsoft.com/office/powerpoint/2010/main" val="2009629984"/>
+        <p14:creationId xmlns:p14="http://schemas.microsoft.com/office/powerpoint/2010/main" val="3206261459"/>
       </p:ext>
     </p:extLst>
   </p:cSld>
@@ -2470,7 +2470,7 @@
           <p:cNvPr id="2" name="标题 1">
             <a:extLst>
               <a:ext uri="{FF2B5EF4-FFF2-40B4-BE49-F238E27FC236}">
-                <a16:creationId xmlns:a16="http://schemas.microsoft.com/office/drawing/2014/main" id="{FF3480B1-BE00-ED4A-1945-16ED0ACB5FE7}"/>
+                <a16:creationId xmlns:a16="http://schemas.microsoft.com/office/drawing/2014/main" id="{8B5B8D79-836F-196F-797D-DF020BAE9AEE}"/>
               </a:ext>
             </a:extLst>
           </p:cNvPr>
@@ -2507,7 +2507,7 @@
           <p:cNvPr id="3" name="图片占位符 2">
             <a:extLst>
               <a:ext uri="{FF2B5EF4-FFF2-40B4-BE49-F238E27FC236}">
-                <a16:creationId xmlns:a16="http://schemas.microsoft.com/office/drawing/2014/main" id="{8D391692-1ED0-1068-DA95-A88893B169F1}"/>
+                <a16:creationId xmlns:a16="http://schemas.microsoft.com/office/drawing/2014/main" id="{C81AE28B-F35A-BABE-8A0E-1EE69EA5B61E}"/>
               </a:ext>
             </a:extLst>
           </p:cNvPr>
@@ -2574,7 +2574,7 @@
           <p:cNvPr id="4" name="文本占位符 3">
             <a:extLst>
               <a:ext uri="{FF2B5EF4-FFF2-40B4-BE49-F238E27FC236}">
-                <a16:creationId xmlns:a16="http://schemas.microsoft.com/office/drawing/2014/main" id="{D4E78ECD-D0FC-4DE7-9F2D-0470B4D85839}"/>
+                <a16:creationId xmlns:a16="http://schemas.microsoft.com/office/drawing/2014/main" id="{747A47A6-3D30-A846-D158-5E37B405D410}"/>
               </a:ext>
             </a:extLst>
           </p:cNvPr>
@@ -2645,7 +2645,7 @@
           <p:cNvPr id="5" name="日期占位符 4">
             <a:extLst>
               <a:ext uri="{FF2B5EF4-FFF2-40B4-BE49-F238E27FC236}">
-                <a16:creationId xmlns:a16="http://schemas.microsoft.com/office/drawing/2014/main" id="{98351051-EBCA-1ECD-5F7A-013F36D7FED3}"/>
+                <a16:creationId xmlns:a16="http://schemas.microsoft.com/office/drawing/2014/main" id="{C7FB6EBC-5825-F349-1DA8-E61AA451B33F}"/>
               </a:ext>
             </a:extLst>
           </p:cNvPr>
@@ -2661,7 +2661,7 @@
           <a:bodyPr/>
           <a:lstStyle/>
           <a:p>
-            <a:fld id="{865C0C93-CDE5-46AE-9E3D-AF448A042D0A}" type="datetimeFigureOut">
+            <a:fld id="{B4B11746-F7B1-4622-9CB4-53D67DEBA7D6}" type="datetimeFigureOut">
               <a:rPr lang="zh-CN" altLang="en-US" smtClean="0"/>
               <a:t>2024/3/10</a:t>
             </a:fld>
@@ -2674,7 +2674,7 @@
           <p:cNvPr id="6" name="页脚占位符 5">
             <a:extLst>
               <a:ext uri="{FF2B5EF4-FFF2-40B4-BE49-F238E27FC236}">
-                <a16:creationId xmlns:a16="http://schemas.microsoft.com/office/drawing/2014/main" id="{5CBC2498-174E-7077-2811-4B71B0D3955F}"/>
+                <a16:creationId xmlns:a16="http://schemas.microsoft.com/office/drawing/2014/main" id="{CFCDE707-77F0-5D43-14E9-09A907D95E63}"/>
               </a:ext>
             </a:extLst>
           </p:cNvPr>
@@ -2699,7 +2699,7 @@
           <p:cNvPr id="7" name="灯片编号占位符 6">
             <a:extLst>
               <a:ext uri="{FF2B5EF4-FFF2-40B4-BE49-F238E27FC236}">
-                <a16:creationId xmlns:a16="http://schemas.microsoft.com/office/drawing/2014/main" id="{90B77BBD-0144-0E70-7E8C-1C2D4B7D9CFF}"/>
+                <a16:creationId xmlns:a16="http://schemas.microsoft.com/office/drawing/2014/main" id="{C82EB498-326D-68AB-8881-7CDEA4A5A678}"/>
               </a:ext>
             </a:extLst>
           </p:cNvPr>
@@ -2715,7 +2715,7 @@
           <a:bodyPr/>
           <a:lstStyle/>
           <a:p>
-            <a:fld id="{3CC8FA17-C0FB-41AD-86FD-80EB615B1B53}" type="slidenum">
+            <a:fld id="{0C6F0577-394F-4A67-B3C8-0805153C908D}" type="slidenum">
               <a:rPr lang="zh-CN" altLang="en-US" smtClean="0"/>
               <a:t>‹#›</a:t>
             </a:fld>
@@ -2726,7 +2726,7 @@
     </p:spTree>
     <p:extLst>
       <p:ext uri="{BB962C8B-B14F-4D97-AF65-F5344CB8AC3E}">
-        <p14:creationId xmlns:p14="http://schemas.microsoft.com/office/powerpoint/2010/main" val="2689386762"/>
+        <p14:creationId xmlns:p14="http://schemas.microsoft.com/office/powerpoint/2010/main" val="3534491122"/>
       </p:ext>
     </p:extLst>
   </p:cSld>
@@ -2763,7 +2763,7 @@
           <p:cNvPr id="2" name="标题占位符 1">
             <a:extLst>
               <a:ext uri="{FF2B5EF4-FFF2-40B4-BE49-F238E27FC236}">
-                <a16:creationId xmlns:a16="http://schemas.microsoft.com/office/drawing/2014/main" id="{F7FC12EA-8E1D-C4F2-5320-93F16FB635EE}"/>
+                <a16:creationId xmlns:a16="http://schemas.microsoft.com/office/drawing/2014/main" id="{03AD74CE-BC9F-C506-EC0C-32298D507F60}"/>
               </a:ext>
             </a:extLst>
           </p:cNvPr>
@@ -2801,7 +2801,7 @@
           <p:cNvPr id="3" name="文本占位符 2">
             <a:extLst>
               <a:ext uri="{FF2B5EF4-FFF2-40B4-BE49-F238E27FC236}">
-                <a16:creationId xmlns:a16="http://schemas.microsoft.com/office/drawing/2014/main" id="{DAD62EAF-265D-3A41-CDDC-C35B524D5DF9}"/>
+                <a16:creationId xmlns:a16="http://schemas.microsoft.com/office/drawing/2014/main" id="{0BB59914-5899-7EBA-1F79-814B16AB9A01}"/>
               </a:ext>
             </a:extLst>
           </p:cNvPr>
@@ -2868,7 +2868,7 @@
           <p:cNvPr id="4" name="日期占位符 3">
             <a:extLst>
               <a:ext uri="{FF2B5EF4-FFF2-40B4-BE49-F238E27FC236}">
-                <a16:creationId xmlns:a16="http://schemas.microsoft.com/office/drawing/2014/main" id="{57EC6383-0438-E39F-C4BF-2ACCB1409E91}"/>
+                <a16:creationId xmlns:a16="http://schemas.microsoft.com/office/drawing/2014/main" id="{70B9D3A6-787A-8132-D3A7-1098B2850444}"/>
               </a:ext>
             </a:extLst>
           </p:cNvPr>
@@ -2902,7 +2902,7 @@
             </a:lvl1pPr>
           </a:lstStyle>
           <a:p>
-            <a:fld id="{865C0C93-CDE5-46AE-9E3D-AF448A042D0A}" type="datetimeFigureOut">
+            <a:fld id="{B4B11746-F7B1-4622-9CB4-53D67DEBA7D6}" type="datetimeFigureOut">
               <a:rPr lang="zh-CN" altLang="en-US" smtClean="0"/>
               <a:t>2024/3/10</a:t>
             </a:fld>
@@ -2915,7 +2915,7 @@
           <p:cNvPr id="5" name="页脚占位符 4">
             <a:extLst>
               <a:ext uri="{FF2B5EF4-FFF2-40B4-BE49-F238E27FC236}">
-                <a16:creationId xmlns:a16="http://schemas.microsoft.com/office/drawing/2014/main" id="{AF7667D6-2BBF-ABB3-9E3F-D0167E95D4D2}"/>
+                <a16:creationId xmlns:a16="http://schemas.microsoft.com/office/drawing/2014/main" id="{CDD84235-7C78-3E96-2A90-8C714A64493D}"/>
               </a:ext>
             </a:extLst>
           </p:cNvPr>
@@ -2958,7 +2958,7 @@
           <p:cNvPr id="6" name="灯片编号占位符 5">
             <a:extLst>
               <a:ext uri="{FF2B5EF4-FFF2-40B4-BE49-F238E27FC236}">
-                <a16:creationId xmlns:a16="http://schemas.microsoft.com/office/drawing/2014/main" id="{51861C77-854A-3EB6-CCFF-DE8B7C806A51}"/>
+                <a16:creationId xmlns:a16="http://schemas.microsoft.com/office/drawing/2014/main" id="{A7B74808-F193-498B-05A9-8F0D62615632}"/>
               </a:ext>
             </a:extLst>
           </p:cNvPr>
@@ -2992,7 +2992,7 @@
             </a:lvl1pPr>
           </a:lstStyle>
           <a:p>
-            <a:fld id="{3CC8FA17-C0FB-41AD-86FD-80EB615B1B53}" type="slidenum">
+            <a:fld id="{0C6F0577-394F-4A67-B3C8-0805153C908D}" type="slidenum">
               <a:rPr lang="zh-CN" altLang="en-US" smtClean="0"/>
               <a:t>‹#›</a:t>
             </a:fld>
@@ -3003,7 +3003,7 @@
     </p:spTree>
     <p:extLst>
       <p:ext uri="{BB962C8B-B14F-4D97-AF65-F5344CB8AC3E}">
-        <p14:creationId xmlns:p14="http://schemas.microsoft.com/office/powerpoint/2010/main" val="2176114556"/>
+        <p14:creationId xmlns:p14="http://schemas.microsoft.com/office/powerpoint/2010/main" val="887021535"/>
       </p:ext>
     </p:extLst>
   </p:cSld>
